--- a/Presentation.pptx
+++ b/Presentation.pptx
@@ -19,7 +19,7 @@
     <p:sldId id="261" r:id="rId7"/>
     <p:sldId id="258" r:id="rId8"/>
     <p:sldId id="259" r:id="rId9"/>
-    <p:sldId id="260" r:id="rId10"/>
+    <p:sldId id="283" r:id="rId10"/>
     <p:sldId id="262" r:id="rId11"/>
     <p:sldId id="263" r:id="rId12"/>
     <p:sldId id="264" r:id="rId13"/>
@@ -33391,7 +33391,15 @@
           <a:p>
             <a:r>
               <a:rPr lang="en-US" dirty="0"/>
-              <a:t>If used heavily may reach limits on dependent resources –no. of connections, etc.</a:t>
+              <a:t>If used heavily may reach limits on dependent resources –</a:t>
+            </a:r>
+            <a:r>
+              <a:rPr lang="pl-PL" dirty="0"/>
+              <a:t> </a:t>
+            </a:r>
+            <a:r>
+              <a:rPr lang="en-US" dirty="0"/>
+              <a:t>no. of connections, etc.</a:t>
             </a:r>
             <a:endParaRPr lang="pl-PL" dirty="0"/>
           </a:p>
@@ -35053,7 +35061,15 @@
             </a:br>
             <a:r>
               <a:rPr lang="pl-PL" dirty="0"/>
-              <a:t>	cd lambda-source &amp;&amp; ./lambda.sh run example ’{ ”key”: ”value” }’</a:t>
+              <a:t>	 cd lambda-source &amp;&amp; </a:t>
+            </a:r>
+            <a:r>
+              <a:rPr lang="en-US" dirty="0"/>
+              <a:t>./lambda.sh run example python3.7 '{"key": "value"}' my_</a:t>
+            </a:r>
+            <a:r>
+              <a:rPr lang="pl-PL" dirty="0"/>
+              <a:t>value</a:t>
             </a:r>
           </a:p>
           <a:p>
@@ -35066,8 +35082,13 @@
             </a:br>
             <a:r>
               <a:rPr lang="pl-PL" dirty="0"/>
-              <a:t>	cd lambda-infra &amp;&amp; terraform apply</a:t>
-            </a:r>
+              <a:t>	cd lambda-infra &amp;&amp; terraform apply -</a:t>
+            </a:r>
+            <a:r>
+              <a:rPr lang="pl-PL"/>
+              <a:t>parallelism=1</a:t>
+            </a:r>
+            <a:endParaRPr lang="pl-PL" dirty="0"/>
           </a:p>
         </p:txBody>
       </p:sp>
@@ -36355,12 +36376,6 @@
           <a:p>
             <a:r>
               <a:rPr lang="pl-PL" dirty="0"/>
-              <a:t>Started November 2014</a:t>
-            </a:r>
-          </a:p>
-          <a:p>
-            <a:r>
-              <a:rPr lang="pl-PL" dirty="0"/>
               <a:t>Event-driven serverless high-availability computing platform</a:t>
             </a:r>
           </a:p>
@@ -36408,6 +36423,9 @@
             <a:br>
               <a:rPr lang="pl-PL" dirty="0"/>
             </a:br>
+            <a:endParaRPr lang="pl-PL" dirty="0"/>
+          </a:p>
+          <a:p>
             <a:endParaRPr lang="pl-PL" dirty="0"/>
           </a:p>
           <a:p>
@@ -37508,7 +37526,7 @@
                                         <p:tgtEl>
                                           <p:spTgt spid="3">
                                             <p:txEl>
-                                              <p:pRg st="8" end="8"/>
+                                              <p:pRg st="9" end="9"/>
                                             </p:txEl>
                                           </p:spTgt>
                                         </p:tgtEl>
@@ -37526,7 +37544,7 @@
                                         <p:tgtEl>
                                           <p:spTgt spid="3">
                                             <p:txEl>
-                                              <p:pRg st="8" end="8"/>
+                                              <p:pRg st="9" end="9"/>
                                             </p:txEl>
                                           </p:spTgt>
                                         </p:tgtEl>
@@ -37538,7 +37556,7 @@
                                         <p:tgtEl>
                                           <p:spTgt spid="3">
                                             <p:txEl>
-                                              <p:pRg st="8" end="8"/>
+                                              <p:pRg st="9" end="9"/>
                                             </p:txEl>
                                           </p:spTgt>
                                         </p:tgtEl>
@@ -37562,121 +37580,6 @@
                                     <p:anim calcmode="lin" valueType="num">
                                       <p:cBhvr>
                                         <p:cTn id="65" dur="1000" fill="hold"/>
-                                        <p:tgtEl>
-                                          <p:spTgt spid="3">
-                                            <p:txEl>
-                                              <p:pRg st="8" end="8"/>
-                                            </p:txEl>
-                                          </p:spTgt>
-                                        </p:tgtEl>
-                                        <p:attrNameLst>
-                                          <p:attrName>ppt_y</p:attrName>
-                                        </p:attrNameLst>
-                                      </p:cBhvr>
-                                      <p:tavLst>
-                                        <p:tav tm="0">
-                                          <p:val>
-                                            <p:strVal val="#ppt_y+.1"/>
-                                          </p:val>
-                                        </p:tav>
-                                        <p:tav tm="100000">
-                                          <p:val>
-                                            <p:strVal val="#ppt_y"/>
-                                          </p:val>
-                                        </p:tav>
-                                      </p:tavLst>
-                                    </p:anim>
-                                  </p:childTnLst>
-                                </p:cTn>
-                              </p:par>
-                            </p:childTnLst>
-                          </p:cTn>
-                        </p:par>
-                      </p:childTnLst>
-                    </p:cTn>
-                  </p:par>
-                  <p:par>
-                    <p:cTn id="66" fill="hold">
-                      <p:stCondLst>
-                        <p:cond delay="indefinite"/>
-                      </p:stCondLst>
-                      <p:childTnLst>
-                        <p:par>
-                          <p:cTn id="67" fill="hold">
-                            <p:stCondLst>
-                              <p:cond delay="0"/>
-                            </p:stCondLst>
-                            <p:childTnLst>
-                              <p:par>
-                                <p:cTn id="68" presetID="42" presetClass="entr" presetSubtype="0" fill="hold" grpId="0" nodeType="clickEffect">
-                                  <p:stCondLst>
-                                    <p:cond delay="0"/>
-                                  </p:stCondLst>
-                                  <p:childTnLst>
-                                    <p:set>
-                                      <p:cBhvr>
-                                        <p:cTn id="69" dur="1" fill="hold">
-                                          <p:stCondLst>
-                                            <p:cond delay="0"/>
-                                          </p:stCondLst>
-                                        </p:cTn>
-                                        <p:tgtEl>
-                                          <p:spTgt spid="3">
-                                            <p:txEl>
-                                              <p:pRg st="9" end="9"/>
-                                            </p:txEl>
-                                          </p:spTgt>
-                                        </p:tgtEl>
-                                        <p:attrNameLst>
-                                          <p:attrName>style.visibility</p:attrName>
-                                        </p:attrNameLst>
-                                      </p:cBhvr>
-                                      <p:to>
-                                        <p:strVal val="visible"/>
-                                      </p:to>
-                                    </p:set>
-                                    <p:animEffect transition="in" filter="fade">
-                                      <p:cBhvr>
-                                        <p:cTn id="70" dur="1000"/>
-                                        <p:tgtEl>
-                                          <p:spTgt spid="3">
-                                            <p:txEl>
-                                              <p:pRg st="9" end="9"/>
-                                            </p:txEl>
-                                          </p:spTgt>
-                                        </p:tgtEl>
-                                      </p:cBhvr>
-                                    </p:animEffect>
-                                    <p:anim calcmode="lin" valueType="num">
-                                      <p:cBhvr>
-                                        <p:cTn id="71" dur="1000" fill="hold"/>
-                                        <p:tgtEl>
-                                          <p:spTgt spid="3">
-                                            <p:txEl>
-                                              <p:pRg st="9" end="9"/>
-                                            </p:txEl>
-                                          </p:spTgt>
-                                        </p:tgtEl>
-                                        <p:attrNameLst>
-                                          <p:attrName>ppt_x</p:attrName>
-                                        </p:attrNameLst>
-                                      </p:cBhvr>
-                                      <p:tavLst>
-                                        <p:tav tm="0">
-                                          <p:val>
-                                            <p:strVal val="#ppt_x"/>
-                                          </p:val>
-                                        </p:tav>
-                                        <p:tav tm="100000">
-                                          <p:val>
-                                            <p:strVal val="#ppt_x"/>
-                                          </p:val>
-                                        </p:tav>
-                                      </p:tavLst>
-                                    </p:anim>
-                                    <p:anim calcmode="lin" valueType="num">
-                                      <p:cBhvr>
-                                        <p:cTn id="72" dur="1000" fill="hold"/>
                                         <p:tgtEl>
                                           <p:spTgt spid="3">
                                             <p:txEl>
@@ -39450,31 +39353,25 @@
           <a:p>
             <a:r>
               <a:rPr lang="pl-PL" dirty="0"/>
-              <a:t>Memory allocation: 128 - 3'008 MB (64 MB increments)</a:t>
+              <a:t>Memory allocation: 	128 - 3'008 MB (64 MB increments)</a:t>
             </a:r>
           </a:p>
           <a:p>
             <a:r>
               <a:rPr lang="pl-PL" dirty="0"/>
-              <a:t>Timeout: 1 - 900 seconds (15 minutes)</a:t>
+              <a:t>Timeout: 		1 - 900 seconds (15 minutes)</a:t>
             </a:r>
           </a:p>
           <a:p>
             <a:r>
               <a:rPr lang="pl-PL" dirty="0"/>
-              <a:t>Concurrent executions: 1000</a:t>
+              <a:t>Concurrent executions: 	1000</a:t>
             </a:r>
           </a:p>
           <a:p>
             <a:r>
               <a:rPr lang="pl-PL" dirty="0"/>
-              <a:t>Storage: 75 GB</a:t>
-            </a:r>
-          </a:p>
-          <a:p>
-            <a:r>
-              <a:rPr lang="pl-PL" dirty="0"/>
-              <a:t>Environment variables: 4 KB</a:t>
+              <a:t>Environment variables: 	4 KB</a:t>
             </a:r>
           </a:p>
           <a:p>
@@ -39487,14 +39384,14 @@
             </a:br>
             <a:r>
               <a:rPr lang="pl-PL" dirty="0"/>
-              <a:t>	6 MB synchronous</a:t>
+              <a:t>		6 MB synchronous</a:t>
             </a:r>
             <a:br>
               <a:rPr lang="pl-PL" dirty="0"/>
             </a:br>
             <a:r>
               <a:rPr lang="pl-PL" dirty="0"/>
-              <a:t>	256 KB asynchronous</a:t>
+              <a:t>		256 KB asynchronous</a:t>
             </a:r>
           </a:p>
           <a:p>
@@ -39507,22 +39404,25 @@
             </a:br>
             <a:r>
               <a:rPr lang="pl-PL" dirty="0"/>
-              <a:t>	50 MB zipped</a:t>
+              <a:t>		50 MB zipped</a:t>
             </a:r>
             <a:br>
               <a:rPr lang="pl-PL" dirty="0"/>
             </a:br>
             <a:r>
               <a:rPr lang="pl-PL" dirty="0"/>
-              <a:t>	250 MB unzipped, including layers</a:t>
+              <a:t>		250 MB unzipped, including layers</a:t>
             </a:r>
             <a:br>
               <a:rPr lang="pl-PL" dirty="0"/>
             </a:br>
             <a:r>
               <a:rPr lang="pl-PL" dirty="0"/>
-              <a:t>	3 MB for console editor</a:t>
-            </a:r>
+              <a:t>		3 MB for console editor</a:t>
+            </a:r>
+          </a:p>
+          <a:p>
+            <a:endParaRPr lang="pl-PL" dirty="0"/>
           </a:p>
         </p:txBody>
       </p:sp>
@@ -39559,7 +39459,7 @@
     </p:spTree>
     <p:extLst>
       <p:ext uri="{BB962C8B-B14F-4D97-AF65-F5344CB8AC3E}">
-        <p14:creationId xmlns:p14="http://schemas.microsoft.com/office/powerpoint/2010/main" val="3264520965"/>
+        <p14:creationId xmlns:p14="http://schemas.microsoft.com/office/powerpoint/2010/main" val="131007021"/>
       </p:ext>
     </p:extLst>
   </p:cSld>
@@ -40235,121 +40135,6 @@
                                           <p:spTgt spid="3">
                                             <p:txEl>
                                               <p:pRg st="5" end="5"/>
-                                            </p:txEl>
-                                          </p:spTgt>
-                                        </p:tgtEl>
-                                        <p:attrNameLst>
-                                          <p:attrName>ppt_y</p:attrName>
-                                        </p:attrNameLst>
-                                      </p:cBhvr>
-                                      <p:tavLst>
-                                        <p:tav tm="0">
-                                          <p:val>
-                                            <p:strVal val="#ppt_y+.1"/>
-                                          </p:val>
-                                        </p:tav>
-                                        <p:tav tm="100000">
-                                          <p:val>
-                                            <p:strVal val="#ppt_y"/>
-                                          </p:val>
-                                        </p:tav>
-                                      </p:tavLst>
-                                    </p:anim>
-                                  </p:childTnLst>
-                                </p:cTn>
-                              </p:par>
-                            </p:childTnLst>
-                          </p:cTn>
-                        </p:par>
-                      </p:childTnLst>
-                    </p:cTn>
-                  </p:par>
-                  <p:par>
-                    <p:cTn id="45" fill="hold">
-                      <p:stCondLst>
-                        <p:cond delay="indefinite"/>
-                      </p:stCondLst>
-                      <p:childTnLst>
-                        <p:par>
-                          <p:cTn id="46" fill="hold">
-                            <p:stCondLst>
-                              <p:cond delay="0"/>
-                            </p:stCondLst>
-                            <p:childTnLst>
-                              <p:par>
-                                <p:cTn id="47" presetID="42" presetClass="entr" presetSubtype="0" fill="hold" grpId="0" nodeType="clickEffect">
-                                  <p:stCondLst>
-                                    <p:cond delay="0"/>
-                                  </p:stCondLst>
-                                  <p:childTnLst>
-                                    <p:set>
-                                      <p:cBhvr>
-                                        <p:cTn id="48" dur="1" fill="hold">
-                                          <p:stCondLst>
-                                            <p:cond delay="0"/>
-                                          </p:stCondLst>
-                                        </p:cTn>
-                                        <p:tgtEl>
-                                          <p:spTgt spid="3">
-                                            <p:txEl>
-                                              <p:pRg st="6" end="6"/>
-                                            </p:txEl>
-                                          </p:spTgt>
-                                        </p:tgtEl>
-                                        <p:attrNameLst>
-                                          <p:attrName>style.visibility</p:attrName>
-                                        </p:attrNameLst>
-                                      </p:cBhvr>
-                                      <p:to>
-                                        <p:strVal val="visible"/>
-                                      </p:to>
-                                    </p:set>
-                                    <p:animEffect transition="in" filter="fade">
-                                      <p:cBhvr>
-                                        <p:cTn id="49" dur="1000"/>
-                                        <p:tgtEl>
-                                          <p:spTgt spid="3">
-                                            <p:txEl>
-                                              <p:pRg st="6" end="6"/>
-                                            </p:txEl>
-                                          </p:spTgt>
-                                        </p:tgtEl>
-                                      </p:cBhvr>
-                                    </p:animEffect>
-                                    <p:anim calcmode="lin" valueType="num">
-                                      <p:cBhvr>
-                                        <p:cTn id="50" dur="1000" fill="hold"/>
-                                        <p:tgtEl>
-                                          <p:spTgt spid="3">
-                                            <p:txEl>
-                                              <p:pRg st="6" end="6"/>
-                                            </p:txEl>
-                                          </p:spTgt>
-                                        </p:tgtEl>
-                                        <p:attrNameLst>
-                                          <p:attrName>ppt_x</p:attrName>
-                                        </p:attrNameLst>
-                                      </p:cBhvr>
-                                      <p:tavLst>
-                                        <p:tav tm="0">
-                                          <p:val>
-                                            <p:strVal val="#ppt_x"/>
-                                          </p:val>
-                                        </p:tav>
-                                        <p:tav tm="100000">
-                                          <p:val>
-                                            <p:strVal val="#ppt_x"/>
-                                          </p:val>
-                                        </p:tav>
-                                      </p:tavLst>
-                                    </p:anim>
-                                    <p:anim calcmode="lin" valueType="num">
-                                      <p:cBhvr>
-                                        <p:cTn id="51" dur="1000" fill="hold"/>
-                                        <p:tgtEl>
-                                          <p:spTgt spid="3">
-                                            <p:txEl>
-                                              <p:pRg st="6" end="6"/>
                                             </p:txEl>
                                           </p:spTgt>
                                         </p:tgtEl>

--- a/Presentation.pptx
+++ b/Presentation.pptx
@@ -242,7 +242,7 @@
           <a:p>
             <a:fld id="{3FDC14FC-A894-4869-A797-1EC82735D106}" type="datetimeFigureOut">
               <a:rPr lang="en-US" smtClean="0"/>
-              <a:t>11/16/2019</a:t>
+              <a:t>11/18/2019</a:t>
             </a:fld>
             <a:endParaRPr lang="en-US"/>
           </a:p>
@@ -407,7 +407,7 @@
           <a:p>
             <a:fld id="{B4F99C05-63F9-4248-8E20-3ACD9DF9DE7F}" type="datetimeFigureOut">
               <a:rPr lang="en-US" smtClean="0"/>
-              <a:t>11/16/2019</a:t>
+              <a:t>11/18/2019</a:t>
             </a:fld>
             <a:endParaRPr lang="en-US"/>
           </a:p>
@@ -9534,7 +9534,7 @@
           </a:ln>
           <a:extLst>
             <a:ext uri="{C572A759-6A51-4108-AA02-DFA0A04FC94B}">
-              <ma14:wrappingTextBoxFlag xmlns="" xmlns:ma14="http://schemas.microsoft.com/office/mac/drawingml/2011/main" val="1"/>
+              <ma14:wrappingTextBoxFlag xmlns:ma14="http://schemas.microsoft.com/office/mac/drawingml/2011/main" xmlns="" val="1"/>
             </a:ext>
           </a:extLst>
         </p:spPr>
@@ -37727,6 +37727,13 @@
           </a:p>
           <a:p>
             <a:r>
+              <a:rPr lang="pl-PL"/>
+              <a:t>Create custom resources via CloudFormation</a:t>
+            </a:r>
+            <a:endParaRPr lang="pl-PL" dirty="0"/>
+          </a:p>
+          <a:p>
+            <a:r>
               <a:rPr lang="pl-PL" dirty="0"/>
               <a:t>Dynamically change Auto Scaling Group size on numerous factors</a:t>
             </a:r>
@@ -39071,6 +39078,121 @@
                                           <p:spTgt spid="3">
                                             <p:txEl>
                                               <p:pRg st="10" end="10"/>
+                                            </p:txEl>
+                                          </p:spTgt>
+                                        </p:tgtEl>
+                                        <p:attrNameLst>
+                                          <p:attrName>ppt_y</p:attrName>
+                                        </p:attrNameLst>
+                                      </p:cBhvr>
+                                      <p:tavLst>
+                                        <p:tav tm="0">
+                                          <p:val>
+                                            <p:strVal val="#ppt_y+.1"/>
+                                          </p:val>
+                                        </p:tav>
+                                        <p:tav tm="100000">
+                                          <p:val>
+                                            <p:strVal val="#ppt_y"/>
+                                          </p:val>
+                                        </p:tav>
+                                      </p:tavLst>
+                                    </p:anim>
+                                  </p:childTnLst>
+                                </p:cTn>
+                              </p:par>
+                            </p:childTnLst>
+                          </p:cTn>
+                        </p:par>
+                      </p:childTnLst>
+                    </p:cTn>
+                  </p:par>
+                  <p:par>
+                    <p:cTn id="80" fill="hold">
+                      <p:stCondLst>
+                        <p:cond delay="indefinite"/>
+                      </p:stCondLst>
+                      <p:childTnLst>
+                        <p:par>
+                          <p:cTn id="81" fill="hold">
+                            <p:stCondLst>
+                              <p:cond delay="0"/>
+                            </p:stCondLst>
+                            <p:childTnLst>
+                              <p:par>
+                                <p:cTn id="82" presetID="42" presetClass="entr" presetSubtype="0" fill="hold" grpId="0" nodeType="clickEffect">
+                                  <p:stCondLst>
+                                    <p:cond delay="0"/>
+                                  </p:stCondLst>
+                                  <p:childTnLst>
+                                    <p:set>
+                                      <p:cBhvr>
+                                        <p:cTn id="83" dur="1" fill="hold">
+                                          <p:stCondLst>
+                                            <p:cond delay="0"/>
+                                          </p:stCondLst>
+                                        </p:cTn>
+                                        <p:tgtEl>
+                                          <p:spTgt spid="3">
+                                            <p:txEl>
+                                              <p:pRg st="11" end="11"/>
+                                            </p:txEl>
+                                          </p:spTgt>
+                                        </p:tgtEl>
+                                        <p:attrNameLst>
+                                          <p:attrName>style.visibility</p:attrName>
+                                        </p:attrNameLst>
+                                      </p:cBhvr>
+                                      <p:to>
+                                        <p:strVal val="visible"/>
+                                      </p:to>
+                                    </p:set>
+                                    <p:animEffect transition="in" filter="fade">
+                                      <p:cBhvr>
+                                        <p:cTn id="84" dur="1000"/>
+                                        <p:tgtEl>
+                                          <p:spTgt spid="3">
+                                            <p:txEl>
+                                              <p:pRg st="11" end="11"/>
+                                            </p:txEl>
+                                          </p:spTgt>
+                                        </p:tgtEl>
+                                      </p:cBhvr>
+                                    </p:animEffect>
+                                    <p:anim calcmode="lin" valueType="num">
+                                      <p:cBhvr>
+                                        <p:cTn id="85" dur="1000" fill="hold"/>
+                                        <p:tgtEl>
+                                          <p:spTgt spid="3">
+                                            <p:txEl>
+                                              <p:pRg st="11" end="11"/>
+                                            </p:txEl>
+                                          </p:spTgt>
+                                        </p:tgtEl>
+                                        <p:attrNameLst>
+                                          <p:attrName>ppt_x</p:attrName>
+                                        </p:attrNameLst>
+                                      </p:cBhvr>
+                                      <p:tavLst>
+                                        <p:tav tm="0">
+                                          <p:val>
+                                            <p:strVal val="#ppt_x"/>
+                                          </p:val>
+                                        </p:tav>
+                                        <p:tav tm="100000">
+                                          <p:val>
+                                            <p:strVal val="#ppt_x"/>
+                                          </p:val>
+                                        </p:tav>
+                                      </p:tavLst>
+                                    </p:anim>
+                                    <p:anim calcmode="lin" valueType="num">
+                                      <p:cBhvr>
+                                        <p:cTn id="86" dur="1000" fill="hold"/>
+                                        <p:tgtEl>
+                                          <p:spTgt spid="3">
+                                            <p:txEl>
+                                              <p:pRg st="11" end="11"/>
                                             </p:txEl>
                                           </p:spTgt>
                                         </p:tgtEl>

--- a/Presentation.pptx
+++ b/Presentation.pptx
@@ -242,7 +242,7 @@
           <a:p>
             <a:fld id="{3FDC14FC-A894-4869-A797-1EC82735D106}" type="datetimeFigureOut">
               <a:rPr lang="en-US" smtClean="0"/>
-              <a:t>11/18/2019</a:t>
+              <a:t>11/19/2019</a:t>
             </a:fld>
             <a:endParaRPr lang="en-US"/>
           </a:p>
@@ -407,7 +407,7 @@
           <a:p>
             <a:fld id="{B4F99C05-63F9-4248-8E20-3ACD9DF9DE7F}" type="datetimeFigureOut">
               <a:rPr lang="en-US" smtClean="0"/>
-              <a:t>11/18/2019</a:t>
+              <a:t>11/19/2019</a:t>
             </a:fld>
             <a:endParaRPr lang="en-US"/>
           </a:p>
@@ -9534,7 +9534,7 @@
           </a:ln>
           <a:extLst>
             <a:ext uri="{C572A759-6A51-4108-AA02-DFA0A04FC94B}">
-              <ma14:wrappingTextBoxFlag xmlns:ma14="http://schemas.microsoft.com/office/mac/drawingml/2011/main" xmlns="" val="1"/>
+              <ma14:wrappingTextBoxFlag xmlns="" xmlns:ma14="http://schemas.microsoft.com/office/mac/drawingml/2011/main" val="1"/>
             </a:ext>
           </a:extLst>
         </p:spPr>
@@ -33331,7 +33331,15 @@
             </a:r>
             <a:r>
               <a:rPr lang="en-US" dirty="0" err="1"/>
-              <a:t>Fargete</a:t>
+              <a:t>Farg</a:t>
+            </a:r>
+            <a:r>
+              <a:rPr lang="pl-PL" dirty="0"/>
+              <a:t>a</a:t>
+            </a:r>
+            <a:r>
+              <a:rPr lang="en-US" dirty="0" err="1"/>
+              <a:t>te</a:t>
             </a:r>
             <a:r>
               <a:rPr lang="en-US" dirty="0"/>
@@ -36418,7 +36426,7 @@
           <a:p>
             <a:r>
               <a:rPr lang="pl-PL" dirty="0"/>
-              <a:t>Server Application Model (SAM)</a:t>
+              <a:t>Serverless Application Model (SAM)</a:t>
             </a:r>
             <a:br>
               <a:rPr lang="pl-PL" dirty="0"/>
